--- a/Presentation.pptx
+++ b/Presentation.pptx
@@ -7,8 +7,8 @@
   <p:sldIdLst>
     <p:sldId id="256" r:id="rId2"/>
     <p:sldId id="257" r:id="rId3"/>
-    <p:sldId id="258" r:id="rId4"/>
-    <p:sldId id="259" r:id="rId5"/>
+    <p:sldId id="259" r:id="rId4"/>
+    <p:sldId id="258" r:id="rId5"/>
   </p:sldIdLst>
   <p:sldSz cx="12192000" cy="6858000"/>
   <p:notesSz cx="6858000" cy="9144000"/>
@@ -3544,7 +3544,7 @@
           <p:cNvPr id="2" name="Title 1">
             <a:extLst>
               <a:ext uri="{FF2B5EF4-FFF2-40B4-BE49-F238E27FC236}">
-                <a16:creationId xmlns:a16="http://schemas.microsoft.com/office/drawing/2014/main" id="{3912DB17-FF23-4AC1-99F5-DA4AF3923CE8}"/>
+                <a16:creationId xmlns:a16="http://schemas.microsoft.com/office/drawing/2014/main" id="{AB15C4EF-DD94-462E-8650-2DC4E7AEB580}"/>
               </a:ext>
             </a:extLst>
           </p:cNvPr>
@@ -3562,7 +3562,7 @@
           <a:p>
             <a:r>
               <a:rPr lang="en-US" dirty="0"/>
-              <a:t>Improve products</a:t>
+              <a:t>Breaking down tribal knowledge</a:t>
             </a:r>
             <a:endParaRPr lang="en-GB" dirty="0"/>
           </a:p>
@@ -3573,7 +3573,7 @@
           <p:cNvPr id="3" name="Content Placeholder 2">
             <a:extLst>
               <a:ext uri="{FF2B5EF4-FFF2-40B4-BE49-F238E27FC236}">
-                <a16:creationId xmlns:a16="http://schemas.microsoft.com/office/drawing/2014/main" id="{96C3C8FA-4825-4D14-8163-6767F9FEE0C6}"/>
+                <a16:creationId xmlns:a16="http://schemas.microsoft.com/office/drawing/2014/main" id="{4ECECF8E-367C-454D-B01D-E2DCE87DEE36}"/>
               </a:ext>
             </a:extLst>
           </p:cNvPr>
@@ -3590,26 +3590,18 @@
           <a:lstStyle/>
           <a:p>
             <a:r>
+              <a:rPr lang="en-US" dirty="0" err="1"/>
+              <a:t>Clippy</a:t>
+            </a:r>
+            <a:r>
               <a:rPr lang="en-US" dirty="0"/>
-              <a:t>User interaction can provide useful insights into a product evaluation, leading to potential pivots</a:t>
+              <a:t> can answer generic questions</a:t>
             </a:r>
           </a:p>
           <a:p>
             <a:r>
               <a:rPr lang="en-US" dirty="0"/>
-              <a:t>The amount of support data is hard to handle manually</a:t>
-            </a:r>
-          </a:p>
-          <a:p>
-            <a:r>
-              <a:rPr lang="en-US" dirty="0"/>
-              <a:t>The bot provides a compiled summary of user interaction</a:t>
-            </a:r>
-          </a:p>
-          <a:p>
-            <a:r>
-              <a:rPr lang="en-US" dirty="0"/>
-              <a:t>The team can focus on the highest value items</a:t>
+              <a:t>The next best thing to an answer is a relevant contact</a:t>
             </a:r>
             <a:endParaRPr lang="en-GB" dirty="0"/>
           </a:p>
@@ -3618,7 +3610,7 @@
     </p:spTree>
     <p:extLst>
       <p:ext uri="{BB962C8B-B14F-4D97-AF65-F5344CB8AC3E}">
-        <p14:creationId xmlns:p14="http://schemas.microsoft.com/office/powerpoint/2010/main" val="1518152112"/>
+        <p14:creationId xmlns:p14="http://schemas.microsoft.com/office/powerpoint/2010/main" val="1746381721"/>
       </p:ext>
     </p:extLst>
   </p:cSld>
@@ -3650,7 +3642,7 @@
           <p:cNvPr id="2" name="Title 1">
             <a:extLst>
               <a:ext uri="{FF2B5EF4-FFF2-40B4-BE49-F238E27FC236}">
-                <a16:creationId xmlns:a16="http://schemas.microsoft.com/office/drawing/2014/main" id="{AB15C4EF-DD94-462E-8650-2DC4E7AEB580}"/>
+                <a16:creationId xmlns:a16="http://schemas.microsoft.com/office/drawing/2014/main" id="{3912DB17-FF23-4AC1-99F5-DA4AF3923CE8}"/>
               </a:ext>
             </a:extLst>
           </p:cNvPr>
@@ -3668,7 +3660,7 @@
           <a:p>
             <a:r>
               <a:rPr lang="en-US" dirty="0"/>
-              <a:t>Breaking down tribal knowledge</a:t>
+              <a:t>Improve products</a:t>
             </a:r>
             <a:endParaRPr lang="en-GB" dirty="0"/>
           </a:p>
@@ -3679,7 +3671,7 @@
           <p:cNvPr id="3" name="Content Placeholder 2">
             <a:extLst>
               <a:ext uri="{FF2B5EF4-FFF2-40B4-BE49-F238E27FC236}">
-                <a16:creationId xmlns:a16="http://schemas.microsoft.com/office/drawing/2014/main" id="{4ECECF8E-367C-454D-B01D-E2DCE87DEE36}"/>
+                <a16:creationId xmlns:a16="http://schemas.microsoft.com/office/drawing/2014/main" id="{96C3C8FA-4825-4D14-8163-6767F9FEE0C6}"/>
               </a:ext>
             </a:extLst>
           </p:cNvPr>
@@ -3696,31 +3688,35 @@
           <a:lstStyle/>
           <a:p>
             <a:r>
-              <a:rPr lang="en-US" dirty="0" err="1"/>
-              <a:t>Clippy</a:t>
-            </a:r>
-            <a:r>
               <a:rPr lang="en-US" dirty="0"/>
-              <a:t> can answer generic questions</a:t>
+              <a:t>User interaction can provide useful insights into a product evaluation, leading to potential pivots</a:t>
             </a:r>
           </a:p>
           <a:p>
             <a:r>
               <a:rPr lang="en-US" dirty="0"/>
-              <a:t>The next best thing to an answer is a </a:t>
-            </a:r>
-            <a:r>
-              <a:rPr lang="en-US"/>
-              <a:t>relevant contact</a:t>
-            </a:r>
-            <a:endParaRPr lang="en-GB"/>
+              <a:t>The amount of support data is hard to handle manually</a:t>
+            </a:r>
+          </a:p>
+          <a:p>
+            <a:r>
+              <a:rPr lang="en-US" dirty="0"/>
+              <a:t>The bot provides a compiled summary of user interaction</a:t>
+            </a:r>
+          </a:p>
+          <a:p>
+            <a:r>
+              <a:rPr lang="en-US" dirty="0"/>
+              <a:t>The team can focus on the highest value items</a:t>
+            </a:r>
+            <a:endParaRPr lang="en-GB" dirty="0"/>
           </a:p>
         </p:txBody>
       </p:sp>
     </p:spTree>
     <p:extLst>
       <p:ext uri="{BB962C8B-B14F-4D97-AF65-F5344CB8AC3E}">
-        <p14:creationId xmlns:p14="http://schemas.microsoft.com/office/powerpoint/2010/main" val="1746381721"/>
+        <p14:creationId xmlns:p14="http://schemas.microsoft.com/office/powerpoint/2010/main" val="1518152112"/>
       </p:ext>
     </p:extLst>
   </p:cSld>

--- a/Presentation.pptx
+++ b/Presentation.pptx
@@ -3397,21 +3397,8 @@
           <a:p>
             <a:r>
               <a:rPr lang="en-US" dirty="0"/>
-              <a:t>Intelligent assistant offloading repetitive support FAQ responsibilities</a:t>
-            </a:r>
-          </a:p>
-          <a:p>
-            <a:r>
-              <a:rPr lang="en-US" dirty="0"/>
-              <a:t>Feed support analytics back into the review/planning process</a:t>
-            </a:r>
-          </a:p>
-          <a:p>
-            <a:r>
-              <a:rPr lang="en-US" dirty="0"/>
-              <a:t>Intelligent knowledge management</a:t>
-            </a:r>
-            <a:endParaRPr lang="en-GB" dirty="0"/>
+              <a:t>Intelligent knowledgebase management</a:t>
+            </a:r>
           </a:p>
         </p:txBody>
       </p:sp>
@@ -3468,7 +3455,7 @@
           <a:p>
             <a:r>
               <a:rPr lang="en-US" dirty="0"/>
-              <a:t>Application support is repetitive and dull</a:t>
+              <a:t>Application support is repetitive</a:t>
             </a:r>
             <a:endParaRPr lang="en-GB" dirty="0"/>
           </a:p>
@@ -3502,8 +3489,12 @@
           </a:p>
           <a:p>
             <a:r>
+              <a:rPr lang="en-US"/>
+              <a:t>The human </a:t>
+            </a:r>
+            <a:r>
               <a:rPr lang="en-US" dirty="0"/>
-              <a:t>Human support role can focus on the difficult questions</a:t>
+              <a:t>support role can focus on the difficult questions</a:t>
             </a:r>
             <a:endParaRPr lang="en-GB" dirty="0"/>
           </a:p>
